--- a/発表資料/B4_上坂大樹_進捗報告１.pptx
+++ b/発表資料/B4_上坂大樹_進捗報告１.pptx
@@ -109,6 +109,11 @@
       </a:defRPr>
     </a:lvl9pPr>
   </p:defaultTextStyle>
+  <p:extLst>
+    <p:ext uri="{EFAFB233-063F-42B5-8137-9DF3F51BA10A}">
+      <p15:sldGuideLst xmlns:p15="http://schemas.microsoft.com/office/powerpoint/2012/main"/>
+    </p:ext>
+  </p:extLst>
 </p:presentation>
 </file>
 
@@ -4542,31 +4547,96 @@
           </a:p>
         </p:txBody>
       </p:sp>
-      <p:sp>
-        <p:nvSpPr>
-          <p:cNvPr id="3" name="コンテンツ プレースホルダー 2">
+      <p:pic>
+        <p:nvPicPr>
+          <p:cNvPr id="7" name="図 6">
             <a:extLst>
               <a:ext uri="{FF2B5EF4-FFF2-40B4-BE49-F238E27FC236}">
-                <a16:creationId xmlns:a16="http://schemas.microsoft.com/office/drawing/2014/main" id="{5DA70856-30C7-4BC1-893F-2E95954E1A27}"/>
+                <a16:creationId xmlns:a16="http://schemas.microsoft.com/office/drawing/2014/main" id="{32580957-2F57-461F-ADD8-1738AF6B25B8}"/>
               </a:ext>
             </a:extLst>
           </p:cNvPr>
-          <p:cNvSpPr>
-            <a:spLocks noGrp="1"/>
-          </p:cNvSpPr>
-          <p:nvPr>
-            <p:ph idx="1"/>
-          </p:nvPr>
-        </p:nvSpPr>
-        <p:spPr/>
-        <p:txBody>
-          <a:bodyPr/>
-          <a:lstStyle/>
-          <a:p>
-            <a:endParaRPr kumimoji="1" lang="ja-JP" altLang="en-US"/>
-          </a:p>
-        </p:txBody>
-      </p:sp>
+          <p:cNvPicPr>
+            <a:picLocks noChangeAspect="1"/>
+          </p:cNvPicPr>
+          <p:nvPr/>
+        </p:nvPicPr>
+        <p:blipFill>
+          <a:blip r:embed="rId2"/>
+          <a:stretch>
+            <a:fillRect/>
+          </a:stretch>
+        </p:blipFill>
+        <p:spPr>
+          <a:xfrm>
+            <a:off x="274562" y="1853145"/>
+            <a:ext cx="3799053" cy="3122782"/>
+          </a:xfrm>
+          <a:prstGeom prst="rect">
+            <a:avLst/>
+          </a:prstGeom>
+        </p:spPr>
+      </p:pic>
+      <p:pic>
+        <p:nvPicPr>
+          <p:cNvPr id="8" name="図 7">
+            <a:extLst>
+              <a:ext uri="{FF2B5EF4-FFF2-40B4-BE49-F238E27FC236}">
+                <a16:creationId xmlns:a16="http://schemas.microsoft.com/office/drawing/2014/main" id="{B7380D9B-09AD-4CE5-B10B-3F6294928B7B}"/>
+              </a:ext>
+            </a:extLst>
+          </p:cNvPr>
+          <p:cNvPicPr>
+            <a:picLocks noChangeAspect="1"/>
+          </p:cNvPicPr>
+          <p:nvPr/>
+        </p:nvPicPr>
+        <p:blipFill>
+          <a:blip r:embed="rId3"/>
+          <a:stretch>
+            <a:fillRect/>
+          </a:stretch>
+        </p:blipFill>
+        <p:spPr>
+          <a:xfrm>
+            <a:off x="4334932" y="1794897"/>
+            <a:ext cx="4301845" cy="3350715"/>
+          </a:xfrm>
+          <a:prstGeom prst="rect">
+            <a:avLst/>
+          </a:prstGeom>
+        </p:spPr>
+      </p:pic>
+      <p:pic>
+        <p:nvPicPr>
+          <p:cNvPr id="9" name="図 8">
+            <a:extLst>
+              <a:ext uri="{FF2B5EF4-FFF2-40B4-BE49-F238E27FC236}">
+                <a16:creationId xmlns:a16="http://schemas.microsoft.com/office/drawing/2014/main" id="{5F3BA627-CB35-4DD1-92FA-EAF081225AA7}"/>
+              </a:ext>
+            </a:extLst>
+          </p:cNvPr>
+          <p:cNvPicPr>
+            <a:picLocks noChangeAspect="1"/>
+          </p:cNvPicPr>
+          <p:nvPr/>
+        </p:nvPicPr>
+        <p:blipFill>
+          <a:blip r:embed="rId4"/>
+          <a:stretch>
+            <a:fillRect/>
+          </a:stretch>
+        </p:blipFill>
+        <p:spPr>
+          <a:xfrm>
+            <a:off x="4639734" y="4975927"/>
+            <a:ext cx="5837350" cy="1975997"/>
+          </a:xfrm>
+          <a:prstGeom prst="rect">
+            <a:avLst/>
+          </a:prstGeom>
+        </p:spPr>
+      </p:pic>
     </p:spTree>
     <p:extLst>
       <p:ext uri="{BB962C8B-B14F-4D97-AF65-F5344CB8AC3E}">
